--- a/docs/iovisor-ovn-overview.pptx
+++ b/docs/iovisor-ovn-overview.pptx
@@ -1658,7 +1658,7 @@
         </p:nvSpPr>
         <p:spPr>
           <a:xfrm>
-            <a:off x="2140283" y="832495"/>
+            <a:off x="2140283" y="770011"/>
             <a:ext cx="2115558" cy="266086"/>
           </a:xfrm>
           <a:prstGeom prst="rect">
@@ -1700,7 +1700,7 @@
         </p:nvSpPr>
         <p:spPr>
           <a:xfrm>
-            <a:off x="2551211" y="1100236"/>
+            <a:off x="2551211" y="1037752"/>
             <a:ext cx="1344643" cy="234781"/>
           </a:xfrm>
           <a:prstGeom prst="rect">
@@ -1742,7 +1742,7 @@
         </p:nvSpPr>
         <p:spPr>
           <a:xfrm>
-            <a:off x="2551210" y="1359736"/>
+            <a:off x="2551210" y="1297252"/>
             <a:ext cx="1344643" cy="292410"/>
           </a:xfrm>
           <a:prstGeom prst="rect">
@@ -1794,7 +1794,7 @@
         </p:nvSpPr>
         <p:spPr>
           <a:xfrm>
-            <a:off x="2696096" y="1880181"/>
+            <a:off x="2696096" y="1933521"/>
             <a:ext cx="1058253" cy="308287"/>
           </a:xfrm>
           <a:prstGeom prst="flowChartMagneticDisk">
@@ -1842,7 +1842,7 @@
         </p:nvSpPr>
         <p:spPr>
           <a:xfrm>
-            <a:off x="2624499" y="2398448"/>
+            <a:off x="2624499" y="2451788"/>
             <a:ext cx="1201447" cy="183380"/>
           </a:xfrm>
           <a:prstGeom prst="rect">
@@ -1886,7 +1886,7 @@
         </p:nvSpPr>
         <p:spPr>
           <a:xfrm>
-            <a:off x="2570244" y="2800655"/>
+            <a:off x="2570244" y="2853995"/>
             <a:ext cx="1308567" cy="328093"/>
           </a:xfrm>
           <a:prstGeom prst="flowChartMagneticDisk">
@@ -1937,7 +1937,7 @@
         </p:nvCxnSpPr>
         <p:spPr>
           <a:xfrm flipV="1">
-            <a:off x="3224528" y="2581828"/>
+            <a:off x="3224528" y="2635168"/>
             <a:ext cx="695" cy="218827"/>
           </a:xfrm>
           <a:prstGeom prst="straightConnector1">
@@ -1974,7 +1974,7 @@
         </p:nvCxnSpPr>
         <p:spPr>
           <a:xfrm flipV="1">
-            <a:off x="3225223" y="2188468"/>
+            <a:off x="3225223" y="2241808"/>
             <a:ext cx="0" cy="209980"/>
           </a:xfrm>
           <a:prstGeom prst="straightConnector1">
@@ -2011,8 +2011,8 @@
         </p:nvCxnSpPr>
         <p:spPr>
           <a:xfrm flipH="1" flipV="1">
-            <a:off x="3223532" y="1652146"/>
-            <a:ext cx="1691" cy="228035"/>
+            <a:off x="3223532" y="1589662"/>
+            <a:ext cx="1691" cy="343859"/>
           </a:xfrm>
           <a:prstGeom prst="straightConnector1">
             <a:avLst/>
@@ -2045,7 +2045,7 @@
         </p:nvGrpSpPr>
         <p:grpSpPr>
           <a:xfrm>
-            <a:off x="1503534" y="3434609"/>
+            <a:off x="1503534" y="3487949"/>
             <a:ext cx="2724041" cy="1228494"/>
             <a:chOff x="53669" y="4658127"/>
             <a:chExt cx="3422165" cy="2103120"/>
@@ -2510,7 +2510,7 @@
         </p:nvCxnSpPr>
         <p:spPr>
           <a:xfrm flipH="1">
-            <a:off x="1925998" y="3128748"/>
+            <a:off x="1925998" y="3182088"/>
             <a:ext cx="1298530" cy="362668"/>
           </a:xfrm>
           <a:prstGeom prst="straightConnector1">
@@ -2576,7 +2576,7 @@
         </p:nvSpPr>
         <p:spPr>
           <a:xfrm>
-            <a:off x="1698490" y="4402737"/>
+            <a:off x="1698490" y="4456077"/>
             <a:ext cx="371749" cy="173578"/>
           </a:xfrm>
           <a:prstGeom prst="rect">
@@ -2619,7 +2619,7 @@
         </p:nvCxnSpPr>
         <p:spPr>
           <a:xfrm flipV="1">
-            <a:off x="1569451" y="4351616"/>
+            <a:off x="1569451" y="4404956"/>
             <a:ext cx="637586" cy="311487"/>
           </a:xfrm>
           <a:prstGeom prst="line">
@@ -2649,7 +2649,7 @@
         </p:nvCxnSpPr>
         <p:spPr>
           <a:xfrm>
-            <a:off x="1552368" y="4351616"/>
+            <a:off x="1552368" y="4404956"/>
             <a:ext cx="654669" cy="311487"/>
           </a:xfrm>
           <a:prstGeom prst="line">
@@ -2679,7 +2679,7 @@
         </p:nvSpPr>
         <p:spPr>
           <a:xfrm>
-            <a:off x="3455416" y="3491416"/>
+            <a:off x="3455416" y="3544756"/>
             <a:ext cx="679650" cy="215444"/>
           </a:xfrm>
           <a:prstGeom prst="rect">
@@ -2722,7 +2722,7 @@
         </p:nvSpPr>
         <p:spPr>
           <a:xfrm>
-            <a:off x="3417703" y="4129136"/>
+            <a:off x="3417703" y="4182476"/>
             <a:ext cx="656024" cy="307777"/>
           </a:xfrm>
           <a:prstGeom prst="rect">
@@ -2780,7 +2780,7 @@
         </p:nvSpPr>
         <p:spPr>
           <a:xfrm>
-            <a:off x="3647904" y="3784051"/>
+            <a:off x="3647904" y="3837391"/>
             <a:ext cx="255104" cy="231664"/>
           </a:xfrm>
           <a:prstGeom prst="downArrow">
@@ -2818,7 +2818,7 @@
         </p:nvSpPr>
         <p:spPr>
           <a:xfrm>
-            <a:off x="3483743" y="4183121"/>
+            <a:off x="3483743" y="4236461"/>
             <a:ext cx="656024" cy="307777"/>
           </a:xfrm>
           <a:prstGeom prst="rect">
@@ -2876,7 +2876,7 @@
         </p:nvSpPr>
         <p:spPr>
           <a:xfrm>
-            <a:off x="4573357" y="1996630"/>
+            <a:off x="4573357" y="2049970"/>
             <a:ext cx="2724041" cy="645381"/>
           </a:xfrm>
           <a:prstGeom prst="rect">
@@ -2927,7 +2927,7 @@
         </p:nvGrpSpPr>
         <p:grpSpPr>
           <a:xfrm>
-            <a:off x="4573357" y="3434420"/>
+            <a:off x="4573357" y="3487760"/>
             <a:ext cx="2724041" cy="1228494"/>
             <a:chOff x="53669" y="4658127"/>
             <a:chExt cx="3422165" cy="2103120"/>
@@ -3389,7 +3389,7 @@
         </p:nvSpPr>
         <p:spPr>
           <a:xfrm>
-            <a:off x="4768313" y="4402548"/>
+            <a:off x="4768313" y="4455888"/>
             <a:ext cx="371749" cy="173578"/>
           </a:xfrm>
           <a:prstGeom prst="rect">
@@ -3432,7 +3432,7 @@
         </p:nvCxnSpPr>
         <p:spPr>
           <a:xfrm flipV="1">
-            <a:off x="4639274" y="4351427"/>
+            <a:off x="4639274" y="4404767"/>
             <a:ext cx="637586" cy="311487"/>
           </a:xfrm>
           <a:prstGeom prst="line">
@@ -3462,7 +3462,7 @@
         </p:nvCxnSpPr>
         <p:spPr>
           <a:xfrm>
-            <a:off x="4622191" y="4351427"/>
+            <a:off x="4622191" y="4404767"/>
             <a:ext cx="654669" cy="311487"/>
           </a:xfrm>
           <a:prstGeom prst="line">
@@ -3492,7 +3492,7 @@
         </p:nvSpPr>
         <p:spPr>
           <a:xfrm>
-            <a:off x="6525239" y="3491227"/>
+            <a:off x="6525239" y="3544567"/>
             <a:ext cx="679650" cy="215444"/>
           </a:xfrm>
           <a:prstGeom prst="rect">
@@ -3535,7 +3535,7 @@
         </p:nvSpPr>
         <p:spPr>
           <a:xfrm>
-            <a:off x="6487526" y="4128947"/>
+            <a:off x="6487526" y="4182287"/>
             <a:ext cx="656024" cy="307777"/>
           </a:xfrm>
           <a:prstGeom prst="rect">
@@ -3593,7 +3593,7 @@
         </p:nvSpPr>
         <p:spPr>
           <a:xfrm>
-            <a:off x="6717727" y="3783862"/>
+            <a:off x="6717727" y="3837202"/>
             <a:ext cx="255104" cy="231664"/>
           </a:xfrm>
           <a:prstGeom prst="downArrow">
@@ -3631,7 +3631,7 @@
         </p:nvSpPr>
         <p:spPr>
           <a:xfrm>
-            <a:off x="6553566" y="4182932"/>
+            <a:off x="6553566" y="4236272"/>
             <a:ext cx="656024" cy="307777"/>
           </a:xfrm>
           <a:prstGeom prst="rect">
@@ -3692,7 +3692,7 @@
         </p:nvCxnSpPr>
         <p:spPr>
           <a:xfrm>
-            <a:off x="3224528" y="3128748"/>
+            <a:off x="3224528" y="3182088"/>
             <a:ext cx="1771293" cy="362479"/>
           </a:xfrm>
           <a:prstGeom prst="straightConnector1">
@@ -3729,7 +3729,7 @@
         </p:nvCxnSpPr>
         <p:spPr>
           <a:xfrm rot="5400000">
-            <a:off x="4440608" y="1996645"/>
+            <a:off x="4440608" y="2049985"/>
             <a:ext cx="849405" cy="2140137"/>
           </a:xfrm>
           <a:prstGeom prst="bentConnector3">
@@ -3768,7 +3768,7 @@
         </p:nvCxnSpPr>
         <p:spPr>
           <a:xfrm rot="16200000" flipH="1">
-            <a:off x="5975613" y="2601776"/>
+            <a:off x="5975613" y="2655116"/>
             <a:ext cx="849216" cy="929686"/>
           </a:xfrm>
           <a:prstGeom prst="bentConnector3">
@@ -3799,18 +3799,21 @@
       <p:cxnSp>
         <p:nvCxnSpPr>
           <p:cNvPr id="99" name="Connettore 4 98"/>
-          <p:cNvCxnSpPr/>
+          <p:cNvCxnSpPr>
+            <a:stCxn id="8" idx="2"/>
+            <a:endCxn id="68" idx="0"/>
+          </p:cNvCxnSpPr>
           <p:nvPr/>
         </p:nvCxnSpPr>
         <p:spPr>
           <a:xfrm rot="10800000" flipH="1">
-            <a:off x="2712311" y="2001444"/>
+            <a:off x="2696096" y="2049971"/>
             <a:ext cx="3239282" cy="37695"/>
           </a:xfrm>
           <a:prstGeom prst="bentConnector4">
             <a:avLst>
-              <a:gd name="adj1" fmla="val -12350"/>
-              <a:gd name="adj2" fmla="val 726298"/>
+              <a:gd name="adj1" fmla="val -10037"/>
+              <a:gd name="adj2" fmla="val 732362"/>
             </a:avLst>
           </a:prstGeom>
           <a:ln>
@@ -3844,13 +3847,13 @@
         </p:nvCxnSpPr>
         <p:spPr>
           <a:xfrm rot="10800000" flipH="1">
-            <a:off x="2570244" y="1996630"/>
+            <a:off x="2570244" y="2049970"/>
             <a:ext cx="3365134" cy="968072"/>
           </a:xfrm>
           <a:prstGeom prst="bentConnector4">
             <a:avLst>
               <a:gd name="adj1" fmla="val -21398"/>
-              <a:gd name="adj2" fmla="val 123614"/>
+              <a:gd name="adj2" fmla="val 131171"/>
             </a:avLst>
           </a:prstGeom>
           <a:ln>
@@ -3884,13 +3887,13 @@
         </p:nvCxnSpPr>
         <p:spPr>
           <a:xfrm rot="10800000" flipH="1">
-            <a:off x="1567872" y="1996630"/>
+            <a:off x="1567872" y="2049970"/>
             <a:ext cx="4367505" cy="2115212"/>
           </a:xfrm>
           <a:prstGeom prst="bentConnector4">
             <a:avLst>
               <a:gd name="adj1" fmla="val -5234"/>
-              <a:gd name="adj2" fmla="val 110987"/>
+              <a:gd name="adj2" fmla="val 117147"/>
             </a:avLst>
           </a:prstGeom>
           <a:ln>
@@ -3921,7 +3924,7 @@
         </p:nvSpPr>
         <p:spPr>
           <a:xfrm>
-            <a:off x="4904006" y="2905585"/>
+            <a:off x="4904006" y="2958925"/>
             <a:ext cx="1087157" cy="246221"/>
           </a:xfrm>
           <a:prstGeom prst="rect">
@@ -3967,7 +3970,7 @@
         </p:nvSpPr>
         <p:spPr>
           <a:xfrm>
-            <a:off x="5014916" y="1518509"/>
+            <a:off x="5027438" y="1430148"/>
             <a:ext cx="963725" cy="246221"/>
           </a:xfrm>
           <a:prstGeom prst="rect">
